--- a/Quantum Deep Learning.pptx
+++ b/Quantum Deep Learning.pptx
@@ -10610,7 +10610,7 @@
             </a:pPr>
             <a:r>
               <a:rPr lang="en" sz="1500"/>
-              <a:t>Built upon the Qiskit Textbook example and expanded to 1 qubit with 2 and 3 trainable parameters</a:t>
+              <a:t>1 qubit with 2 and 3 trainable parameters</a:t>
             </a:r>
             <a:endParaRPr sz="1500"/>
           </a:p>
@@ -10627,7 +10627,7 @@
             </a:pPr>
             <a:r>
               <a:rPr lang="en" sz="1500"/>
-              <a:t>Attempted at implementing a 2-qubit layer</a:t>
+              <a:t>Attempted at implementing a 2-qubit QAOA</a:t>
             </a:r>
             <a:endParaRPr sz="1500"/>
           </a:p>
@@ -12023,7 +12023,7 @@
             <a:tbl>
               <a:tblPr>
                 <a:noFill/>
-                <a:tableStyleId>{069262A8-BA1F-4459-BCBA-19079F78059F}</a:tableStyleId>
+                <a:tableStyleId>{53712409-153C-4829-BA47-4DD660373F3C}</a:tableStyleId>
               </a:tblPr>
               <a:tblGrid>
                 <a:gridCol w="731800"/>
